--- a/Pitch.pptx
+++ b/Pitch.pptx
@@ -301,7 +301,7 @@
           <a:p>
             <a:fld id="{2EA834B3-117A-4CF0-8D1E-251A92DE8E39}" type="datetimeFigureOut">
               <a:rPr lang="en-GB" smtClean="0"/>
-              <a:t>15/03/2015</a:t>
+              <a:t>16/03/2015</a:t>
             </a:fld>
             <a:endParaRPr lang="en-GB"/>
           </a:p>
@@ -599,7 +599,7 @@
           <a:p>
             <a:fld id="{2EA834B3-117A-4CF0-8D1E-251A92DE8E39}" type="datetimeFigureOut">
               <a:rPr lang="en-GB" smtClean="0"/>
-              <a:t>15/03/2015</a:t>
+              <a:t>16/03/2015</a:t>
             </a:fld>
             <a:endParaRPr lang="en-GB"/>
           </a:p>
@@ -791,7 +791,7 @@
           <a:p>
             <a:fld id="{2EA834B3-117A-4CF0-8D1E-251A92DE8E39}" type="datetimeFigureOut">
               <a:rPr lang="en-GB" smtClean="0"/>
-              <a:t>15/03/2015</a:t>
+              <a:t>16/03/2015</a:t>
             </a:fld>
             <a:endParaRPr lang="en-GB"/>
           </a:p>
@@ -1052,7 +1052,7 @@
           <a:p>
             <a:fld id="{2EA834B3-117A-4CF0-8D1E-251A92DE8E39}" type="datetimeFigureOut">
               <a:rPr lang="en-GB" smtClean="0"/>
-              <a:t>15/03/2015</a:t>
+              <a:t>16/03/2015</a:t>
             </a:fld>
             <a:endParaRPr lang="en-GB"/>
           </a:p>
@@ -1476,7 +1476,7 @@
           <a:p>
             <a:fld id="{2EA834B3-117A-4CF0-8D1E-251A92DE8E39}" type="datetimeFigureOut">
               <a:rPr lang="en-GB" smtClean="0"/>
-              <a:t>15/03/2015</a:t>
+              <a:t>16/03/2015</a:t>
             </a:fld>
             <a:endParaRPr lang="en-GB"/>
           </a:p>
@@ -2013,7 +2013,7 @@
           <a:p>
             <a:fld id="{2EA834B3-117A-4CF0-8D1E-251A92DE8E39}" type="datetimeFigureOut">
               <a:rPr lang="en-GB" smtClean="0"/>
-              <a:t>15/03/2015</a:t>
+              <a:t>16/03/2015</a:t>
             </a:fld>
             <a:endParaRPr lang="en-GB"/>
           </a:p>
@@ -2877,7 +2877,7 @@
           <a:p>
             <a:fld id="{2EA834B3-117A-4CF0-8D1E-251A92DE8E39}" type="datetimeFigureOut">
               <a:rPr lang="en-GB" smtClean="0"/>
-              <a:t>15/03/2015</a:t>
+              <a:t>16/03/2015</a:t>
             </a:fld>
             <a:endParaRPr lang="en-GB"/>
           </a:p>
@@ -3047,7 +3047,7 @@
           <a:p>
             <a:fld id="{2EA834B3-117A-4CF0-8D1E-251A92DE8E39}" type="datetimeFigureOut">
               <a:rPr lang="en-GB" smtClean="0"/>
-              <a:t>15/03/2015</a:t>
+              <a:t>16/03/2015</a:t>
             </a:fld>
             <a:endParaRPr lang="en-GB"/>
           </a:p>
@@ -3231,7 +3231,7 @@
           <a:p>
             <a:fld id="{2EA834B3-117A-4CF0-8D1E-251A92DE8E39}" type="datetimeFigureOut">
               <a:rPr lang="en-GB" smtClean="0"/>
-              <a:t>15/03/2015</a:t>
+              <a:t>16/03/2015</a:t>
             </a:fld>
             <a:endParaRPr lang="en-GB"/>
           </a:p>
@@ -3401,7 +3401,7 @@
           <a:p>
             <a:fld id="{2EA834B3-117A-4CF0-8D1E-251A92DE8E39}" type="datetimeFigureOut">
               <a:rPr lang="en-GB" smtClean="0"/>
-              <a:t>15/03/2015</a:t>
+              <a:t>16/03/2015</a:t>
             </a:fld>
             <a:endParaRPr lang="en-GB"/>
           </a:p>
@@ -3645,7 +3645,7 @@
           <a:p>
             <a:fld id="{2EA834B3-117A-4CF0-8D1E-251A92DE8E39}" type="datetimeFigureOut">
               <a:rPr lang="en-GB" smtClean="0"/>
-              <a:t>15/03/2015</a:t>
+              <a:t>16/03/2015</a:t>
             </a:fld>
             <a:endParaRPr lang="en-GB"/>
           </a:p>
@@ -3881,7 +3881,7 @@
           <a:p>
             <a:fld id="{2EA834B3-117A-4CF0-8D1E-251A92DE8E39}" type="datetimeFigureOut">
               <a:rPr lang="en-GB" smtClean="0"/>
-              <a:t>15/03/2015</a:t>
+              <a:t>16/03/2015</a:t>
             </a:fld>
             <a:endParaRPr lang="en-GB"/>
           </a:p>
@@ -4347,7 +4347,7 @@
           <a:p>
             <a:fld id="{2EA834B3-117A-4CF0-8D1E-251A92DE8E39}" type="datetimeFigureOut">
               <a:rPr lang="en-GB" smtClean="0"/>
-              <a:t>15/03/2015</a:t>
+              <a:t>16/03/2015</a:t>
             </a:fld>
             <a:endParaRPr lang="en-GB"/>
           </a:p>
@@ -4465,7 +4465,7 @@
           <a:p>
             <a:fld id="{2EA834B3-117A-4CF0-8D1E-251A92DE8E39}" type="datetimeFigureOut">
               <a:rPr lang="en-GB" smtClean="0"/>
-              <a:t>15/03/2015</a:t>
+              <a:t>16/03/2015</a:t>
             </a:fld>
             <a:endParaRPr lang="en-GB"/>
           </a:p>
@@ -4560,7 +4560,7 @@
           <a:p>
             <a:fld id="{2EA834B3-117A-4CF0-8D1E-251A92DE8E39}" type="datetimeFigureOut">
               <a:rPr lang="en-GB" smtClean="0"/>
-              <a:t>15/03/2015</a:t>
+              <a:t>16/03/2015</a:t>
             </a:fld>
             <a:endParaRPr lang="en-GB"/>
           </a:p>
@@ -4815,7 +4815,7 @@
           <a:p>
             <a:fld id="{2EA834B3-117A-4CF0-8D1E-251A92DE8E39}" type="datetimeFigureOut">
               <a:rPr lang="en-GB" smtClean="0"/>
-              <a:t>15/03/2015</a:t>
+              <a:t>16/03/2015</a:t>
             </a:fld>
             <a:endParaRPr lang="en-GB"/>
           </a:p>
@@ -5115,7 +5115,7 @@
           <a:p>
             <a:fld id="{2EA834B3-117A-4CF0-8D1E-251A92DE8E39}" type="datetimeFigureOut">
               <a:rPr lang="en-GB" smtClean="0"/>
-              <a:t>15/03/2015</a:t>
+              <a:t>16/03/2015</a:t>
             </a:fld>
             <a:endParaRPr lang="en-GB"/>
           </a:p>
@@ -5349,7 +5349,7 @@
           <a:p>
             <a:fld id="{2EA834B3-117A-4CF0-8D1E-251A92DE8E39}" type="datetimeFigureOut">
               <a:rPr lang="en-GB" smtClean="0"/>
-              <a:t>15/03/2015</a:t>
+              <a:t>16/03/2015</a:t>
             </a:fld>
             <a:endParaRPr lang="en-GB"/>
           </a:p>
@@ -6974,6 +6974,39 @@
           </a:prstGeom>
         </p:spPr>
       </p:pic>
+      <p:sp>
+        <p:nvSpPr>
+          <p:cNvPr id="6" name="TextBox 5"/>
+          <p:cNvSpPr txBox="1"/>
+          <p:nvPr/>
+        </p:nvSpPr>
+        <p:spPr>
+          <a:xfrm>
+            <a:off x="1408014" y="6012383"/>
+            <a:ext cx="2250937" cy="200055"/>
+          </a:xfrm>
+          <a:prstGeom prst="rect">
+            <a:avLst/>
+          </a:prstGeom>
+          <a:noFill/>
+        </p:spPr>
+        <p:txBody>
+          <a:bodyPr wrap="none" rtlCol="0">
+            <a:spAutoFit/>
+          </a:bodyPr>
+          <a:lstStyle/>
+          <a:p>
+            <a:r>
+              <a:rPr lang="en-GB" sz="700" dirty="0" smtClean="0"/>
+              <a:t>CREDIT: http</a:t>
+            </a:r>
+            <a:r>
+              <a:rPr lang="en-GB" sz="700" dirty="0"/>
+              <a:t>://opengameart.org/content/stick-man</a:t>
+            </a:r>
+          </a:p>
+        </p:txBody>
+      </p:sp>
     </p:spTree>
     <p:extLst>
       <p:ext uri="{BB962C8B-B14F-4D97-AF65-F5344CB8AC3E}">
@@ -6984,11 +7017,11 @@
   <p:clrMapOvr>
     <a:masterClrMapping/>
   </p:clrMapOvr>
-  <mc:AlternateContent xmlns:mc="http://schemas.openxmlformats.org/markup-compatibility/2006">
-    <mc:Choice xmlns:p14="http://schemas.microsoft.com/office/powerpoint/2010/main" Requires="p14">
+  <mc:AlternateContent xmlns:mc="http://schemas.openxmlformats.org/markup-compatibility/2006" xmlns:p14="http://schemas.microsoft.com/office/powerpoint/2010/main">
+    <mc:Choice Requires="p14">
       <p:transition p14:dur="0"/>
     </mc:Choice>
-    <mc:Fallback>
+    <mc:Fallback xmlns="">
       <p:transition/>
     </mc:Fallback>
   </mc:AlternateContent>
@@ -7478,55 +7511,7 @@
                   </a:outerShdw>
                 </a:effectLst>
               </a:rPr>
-              <a:t>Allows access to various </a:t>
-            </a:r>
-            <a:r>
-              <a:rPr lang="en-GB" dirty="0">
-                <a:ln>
-                  <a:solidFill>
-                    <a:schemeClr val="bg1">
-                      <a:lumMod val="75000"/>
-                      <a:lumOff val="25000"/>
-                      <a:alpha val="10000"/>
-                    </a:schemeClr>
-                  </a:solidFill>
-                </a:ln>
-                <a:solidFill>
-                  <a:schemeClr val="tx2"/>
-                </a:solidFill>
-                <a:effectLst>
-                  <a:outerShdw blurRad="9525" dist="25400" dir="14640000" algn="tl" rotWithShape="0">
-                    <a:schemeClr val="bg1">
-                      <a:alpha val="30000"/>
-                    </a:schemeClr>
-                  </a:outerShdw>
-                </a:effectLst>
-              </a:rPr>
-              <a:t>other</a:t>
-            </a:r>
-            <a:r>
-              <a:rPr lang="en-GB" dirty="0">
-                <a:ln>
-                  <a:solidFill>
-                    <a:schemeClr val="bg1">
-                      <a:lumMod val="75000"/>
-                      <a:lumOff val="25000"/>
-                      <a:alpha val="10000"/>
-                    </a:schemeClr>
-                  </a:solidFill>
-                </a:ln>
-                <a:solidFill>
-                  <a:schemeClr val="tx2"/>
-                </a:solidFill>
-                <a:effectLst>
-                  <a:outerShdw blurRad="9525" dist="25400" dir="14640000" algn="tl" rotWithShape="0">
-                    <a:schemeClr val="bg1">
-                      <a:alpha val="30000"/>
-                    </a:schemeClr>
-                  </a:outerShdw>
-                </a:effectLst>
-              </a:rPr>
-              <a:t> technologies.</a:t>
+              <a:t>Allows access to various other technologies.</a:t>
             </a:r>
           </a:p>
         </p:txBody>
